--- a/Pleskó Patrik/ai.pptx
+++ b/Pleskó Patrik/ai.pptx
@@ -16,8 +16,7 @@
     <p:sldId id="264" r:id="rId10"/>
     <p:sldId id="268" r:id="rId11"/>
     <p:sldId id="265" r:id="rId12"/>
-    <p:sldId id="267" r:id="rId13"/>
-    <p:sldId id="266" r:id="rId14"/>
+    <p:sldId id="266" r:id="rId13"/>
   </p:sldIdLst>
   <p:sldSz cx="12192000" cy="6858000"/>
   <p:notesSz cx="6858000" cy="9144000"/>
@@ -302,7 +301,7 @@
           <a:p>
             <a:fld id="{846CE7D5-CF57-46EF-B807-FDD0502418D4}" type="datetimeFigureOut">
               <a:rPr lang="en-GB" smtClean="0"/>
-              <a:t>24/09/2024</a:t>
+              <a:t>25/09/2024</a:t>
             </a:fld>
             <a:endParaRPr lang="en-GB"/>
           </a:p>
@@ -569,7 +568,7 @@
           <a:p>
             <a:fld id="{846CE7D5-CF57-46EF-B807-FDD0502418D4}" type="datetimeFigureOut">
               <a:rPr lang="en-GB" smtClean="0"/>
-              <a:t>24/09/2024</a:t>
+              <a:t>25/09/2024</a:t>
             </a:fld>
             <a:endParaRPr lang="en-GB"/>
           </a:p>
@@ -800,7 +799,7 @@
           <a:p>
             <a:fld id="{846CE7D5-CF57-46EF-B807-FDD0502418D4}" type="datetimeFigureOut">
               <a:rPr lang="en-GB" smtClean="0"/>
-              <a:t>24/09/2024</a:t>
+              <a:t>25/09/2024</a:t>
             </a:fld>
             <a:endParaRPr lang="en-GB"/>
           </a:p>
@@ -1110,7 +1109,7 @@
           <a:p>
             <a:fld id="{846CE7D5-CF57-46EF-B807-FDD0502418D4}" type="datetimeFigureOut">
               <a:rPr lang="en-GB" smtClean="0"/>
-              <a:t>24/09/2024</a:t>
+              <a:t>25/09/2024</a:t>
             </a:fld>
             <a:endParaRPr lang="en-GB"/>
           </a:p>
@@ -1583,7 +1582,7 @@
           <a:p>
             <a:fld id="{846CE7D5-CF57-46EF-B807-FDD0502418D4}" type="datetimeFigureOut">
               <a:rPr lang="en-GB" smtClean="0"/>
-              <a:t>24/09/2024</a:t>
+              <a:t>25/09/2024</a:t>
             </a:fld>
             <a:endParaRPr lang="en-GB"/>
           </a:p>
@@ -2130,7 +2129,7 @@
           <a:p>
             <a:fld id="{846CE7D5-CF57-46EF-B807-FDD0502418D4}" type="datetimeFigureOut">
               <a:rPr lang="en-GB" smtClean="0"/>
-              <a:t>24/09/2024</a:t>
+              <a:t>25/09/2024</a:t>
             </a:fld>
             <a:endParaRPr lang="en-GB"/>
           </a:p>
@@ -2904,7 +2903,7 @@
           <a:p>
             <a:fld id="{846CE7D5-CF57-46EF-B807-FDD0502418D4}" type="datetimeFigureOut">
               <a:rPr lang="en-GB" smtClean="0"/>
-              <a:t>24/09/2024</a:t>
+              <a:t>25/09/2024</a:t>
             </a:fld>
             <a:endParaRPr lang="en-GB"/>
           </a:p>
@@ -3079,7 +3078,7 @@
           <a:p>
             <a:fld id="{846CE7D5-CF57-46EF-B807-FDD0502418D4}" type="datetimeFigureOut">
               <a:rPr lang="en-GB" smtClean="0"/>
-              <a:t>24/09/2024</a:t>
+              <a:t>25/09/2024</a:t>
             </a:fld>
             <a:endParaRPr lang="en-GB"/>
           </a:p>
@@ -3302,7 +3301,7 @@
           <a:p>
             <a:fld id="{846CE7D5-CF57-46EF-B807-FDD0502418D4}" type="datetimeFigureOut">
               <a:rPr lang="en-GB" smtClean="0"/>
-              <a:t>24/09/2024</a:t>
+              <a:t>25/09/2024</a:t>
             </a:fld>
             <a:endParaRPr lang="en-GB"/>
           </a:p>
@@ -3482,7 +3481,7 @@
           <a:p>
             <a:fld id="{846CE7D5-CF57-46EF-B807-FDD0502418D4}" type="datetimeFigureOut">
               <a:rPr lang="en-GB" smtClean="0"/>
-              <a:t>24/09/2024</a:t>
+              <a:t>25/09/2024</a:t>
             </a:fld>
             <a:endParaRPr lang="en-GB"/>
           </a:p>
@@ -3771,7 +3770,7 @@
           <a:p>
             <a:fld id="{846CE7D5-CF57-46EF-B807-FDD0502418D4}" type="datetimeFigureOut">
               <a:rPr lang="en-GB" smtClean="0"/>
-              <a:t>24/09/2024</a:t>
+              <a:t>25/09/2024</a:t>
             </a:fld>
             <a:endParaRPr lang="en-GB"/>
           </a:p>
@@ -4013,7 +4012,7 @@
           <a:p>
             <a:fld id="{846CE7D5-CF57-46EF-B807-FDD0502418D4}" type="datetimeFigureOut">
               <a:rPr lang="en-GB" smtClean="0"/>
-              <a:t>24/09/2024</a:t>
+              <a:t>25/09/2024</a:t>
             </a:fld>
             <a:endParaRPr lang="en-GB"/>
           </a:p>
@@ -4392,7 +4391,7 @@
           <a:p>
             <a:fld id="{846CE7D5-CF57-46EF-B807-FDD0502418D4}" type="datetimeFigureOut">
               <a:rPr lang="en-GB" smtClean="0"/>
-              <a:t>24/09/2024</a:t>
+              <a:t>25/09/2024</a:t>
             </a:fld>
             <a:endParaRPr lang="en-GB"/>
           </a:p>
@@ -4510,7 +4509,7 @@
           <a:p>
             <a:fld id="{846CE7D5-CF57-46EF-B807-FDD0502418D4}" type="datetimeFigureOut">
               <a:rPr lang="en-GB" smtClean="0"/>
-              <a:t>24/09/2024</a:t>
+              <a:t>25/09/2024</a:t>
             </a:fld>
             <a:endParaRPr lang="en-GB"/>
           </a:p>
@@ -4605,7 +4604,7 @@
           <a:p>
             <a:fld id="{846CE7D5-CF57-46EF-B807-FDD0502418D4}" type="datetimeFigureOut">
               <a:rPr lang="en-GB" smtClean="0"/>
-              <a:t>24/09/2024</a:t>
+              <a:t>25/09/2024</a:t>
             </a:fld>
             <a:endParaRPr lang="en-GB"/>
           </a:p>
@@ -4854,7 +4853,7 @@
           <a:p>
             <a:fld id="{846CE7D5-CF57-46EF-B807-FDD0502418D4}" type="datetimeFigureOut">
               <a:rPr lang="en-GB" smtClean="0"/>
-              <a:t>24/09/2024</a:t>
+              <a:t>25/09/2024</a:t>
             </a:fld>
             <a:endParaRPr lang="en-GB"/>
           </a:p>
@@ -5111,7 +5110,7 @@
           <a:p>
             <a:fld id="{846CE7D5-CF57-46EF-B807-FDD0502418D4}" type="datetimeFigureOut">
               <a:rPr lang="en-GB" smtClean="0"/>
-              <a:t>24/09/2024</a:t>
+              <a:t>25/09/2024</a:t>
             </a:fld>
             <a:endParaRPr lang="en-GB"/>
           </a:p>
@@ -5354,7 +5353,7 @@
           <a:p>
             <a:fld id="{846CE7D5-CF57-46EF-B807-FDD0502418D4}" type="datetimeFigureOut">
               <a:rPr lang="en-GB" smtClean="0"/>
-              <a:t>24/09/2024</a:t>
+              <a:t>25/09/2024</a:t>
             </a:fld>
             <a:endParaRPr lang="en-GB"/>
           </a:p>
@@ -7067,89 +7066,6 @@
 </file>
 
 <file path=ppt/slides/slide12.xml><?xml version="1.0" encoding="utf-8"?>
-<p:sld xmlns:a="http://schemas.openxmlformats.org/drawingml/2006/main" xmlns:r="http://schemas.openxmlformats.org/officeDocument/2006/relationships" xmlns:p="http://schemas.openxmlformats.org/presentationml/2006/main">
-  <p:cSld>
-    <p:spTree>
-      <p:nvGrpSpPr>
-        <p:cNvPr id="1" name=""/>
-        <p:cNvGrpSpPr/>
-        <p:nvPr/>
-      </p:nvGrpSpPr>
-      <p:grpSpPr>
-        <a:xfrm>
-          <a:off x="0" y="0"/>
-          <a:ext cx="0" cy="0"/>
-          <a:chOff x="0" y="0"/>
-          <a:chExt cx="0" cy="0"/>
-        </a:xfrm>
-      </p:grpSpPr>
-      <p:sp>
-        <p:nvSpPr>
-          <p:cNvPr id="2" name="Title 1">
-            <a:extLst>
-              <a:ext uri="{FF2B5EF4-FFF2-40B4-BE49-F238E27FC236}">
-                <a16:creationId xmlns:a16="http://schemas.microsoft.com/office/drawing/2014/main" id="{6F43C424-96E7-C964-78D3-D59484B3AC18}"/>
-              </a:ext>
-            </a:extLst>
-          </p:cNvPr>
-          <p:cNvSpPr>
-            <a:spLocks noGrp="1"/>
-          </p:cNvSpPr>
-          <p:nvPr>
-            <p:ph type="title"/>
-          </p:nvPr>
-        </p:nvSpPr>
-        <p:spPr/>
-        <p:txBody>
-          <a:bodyPr/>
-          <a:lstStyle/>
-          <a:p>
-            <a:r>
-              <a:rPr lang="en-DE" dirty="0"/>
-              <a:t>CHATGPT</a:t>
-            </a:r>
-          </a:p>
-        </p:txBody>
-      </p:sp>
-      <p:sp>
-        <p:nvSpPr>
-          <p:cNvPr id="3" name="Content Placeholder 2">
-            <a:extLst>
-              <a:ext uri="{FF2B5EF4-FFF2-40B4-BE49-F238E27FC236}">
-                <a16:creationId xmlns:a16="http://schemas.microsoft.com/office/drawing/2014/main" id="{6CABBFBC-3ED9-9A9D-75C6-A7428DB8634A}"/>
-              </a:ext>
-            </a:extLst>
-          </p:cNvPr>
-          <p:cNvSpPr>
-            <a:spLocks noGrp="1"/>
-          </p:cNvSpPr>
-          <p:nvPr>
-            <p:ph idx="1"/>
-          </p:nvPr>
-        </p:nvSpPr>
-        <p:spPr/>
-        <p:txBody>
-          <a:bodyPr/>
-          <a:lstStyle/>
-          <a:p>
-            <a:endParaRPr lang="en-DE"/>
-          </a:p>
-        </p:txBody>
-      </p:sp>
-    </p:spTree>
-    <p:extLst>
-      <p:ext uri="{BB962C8B-B14F-4D97-AF65-F5344CB8AC3E}">
-        <p14:creationId xmlns:p14="http://schemas.microsoft.com/office/powerpoint/2010/main" val="3378943898"/>
-      </p:ext>
-    </p:extLst>
-  </p:cSld>
-  <p:clrMapOvr>
-    <a:masterClrMapping/>
-  </p:clrMapOvr>
-</p:sld>
-</file>
-
-<file path=ppt/slides/slide13.xml><?xml version="1.0" encoding="utf-8"?>
 <p:sld xmlns:a="http://schemas.openxmlformats.org/drawingml/2006/main" xmlns:r="http://schemas.openxmlformats.org/officeDocument/2006/relationships" xmlns:p="http://schemas.openxmlformats.org/presentationml/2006/main">
   <p:cSld>
     <p:spTree>
